--- a/IS - Slides 0 - Welcome.pptx
+++ b/IS - Slides 0 - Welcome.pptx
@@ -136,6 +136,14 @@
 </p:presentation>
 </file>
 
+<file path=ppt/revisionInfo.xml><?xml version="1.0" encoding="utf-8"?>
+<p1510:revInfo xmlns:a="http://schemas.openxmlformats.org/drawingml/2006/main" xmlns:r="http://schemas.openxmlformats.org/officeDocument/2006/relationships" xmlns:p1510="http://schemas.microsoft.com/office/powerpoint/2015/10/main">
+  <p1510:revLst>
+    <p1510:client id="{E4AF2BE4-153E-3341-8841-53CF85FF2FAC}" v="32" dt="2025-10-02T01:26:02.864"/>
+  </p1510:revLst>
+</p1510:revInfo>
+</file>
+
 <file path=ppt/changesInfos/changesInfo1.xml><?xml version="1.0" encoding="utf-8"?>
 <pc:chgInfo xmlns:a="http://schemas.openxmlformats.org/drawingml/2006/main" xmlns:r="http://schemas.openxmlformats.org/officeDocument/2006/relationships" xmlns:ac="http://schemas.microsoft.com/office/drawing/2013/main/command" xmlns:pc="http://schemas.microsoft.com/office/powerpoint/2013/main/command">
   <pc:docChgLst>
@@ -178,7 +186,7 @@
   <pc:docChgLst>
     <pc:chgData name="Irfan Ud-Din" userId="ee04383a-3b49-4780-98b3-1937345d585e" providerId="ADAL" clId="{C67135C6-04FB-5671-8F8A-622C7FA6CF0A}"/>
     <pc:docChg chg="undo custSel addSld modSld sldOrd">
-      <pc:chgData name="Irfan Ud-Din" userId="ee04383a-3b49-4780-98b3-1937345d585e" providerId="ADAL" clId="{C67135C6-04FB-5671-8F8A-622C7FA6CF0A}" dt="2025-10-01T05:03:18.626" v="775" actId="20577"/>
+      <pc:chgData name="Irfan Ud-Din" userId="ee04383a-3b49-4780-98b3-1937345d585e" providerId="ADAL" clId="{C67135C6-04FB-5671-8F8A-622C7FA6CF0A}" dt="2025-10-02T01:26:05.137" v="857" actId="20577"/>
       <pc:docMkLst>
         <pc:docMk/>
       </pc:docMkLst>
@@ -219,44 +227,108 @@
           </ac:graphicFrameMkLst>
         </pc:graphicFrameChg>
       </pc:sldChg>
-      <pc:sldChg chg="modSp mod">
-        <pc:chgData name="Irfan Ud-Din" userId="ee04383a-3b49-4780-98b3-1937345d585e" providerId="ADAL" clId="{C67135C6-04FB-5671-8F8A-622C7FA6CF0A}" dt="2025-10-01T05:00:48.566" v="711" actId="27636"/>
+      <pc:sldChg chg="addSp delSp modSp mod">
+        <pc:chgData name="Irfan Ud-Din" userId="ee04383a-3b49-4780-98b3-1937345d585e" providerId="ADAL" clId="{C67135C6-04FB-5671-8F8A-622C7FA6CF0A}" dt="2025-10-02T01:25:12.034" v="855" actId="404"/>
         <pc:sldMkLst>
           <pc:docMk/>
           <pc:sldMk cId="2122738901" sldId="294"/>
         </pc:sldMkLst>
-        <pc:spChg chg="mod">
-          <ac:chgData name="Irfan Ud-Din" userId="ee04383a-3b49-4780-98b3-1937345d585e" providerId="ADAL" clId="{C67135C6-04FB-5671-8F8A-622C7FA6CF0A}" dt="2025-10-01T05:00:48.566" v="711" actId="27636"/>
+        <pc:spChg chg="del mod">
+          <ac:chgData name="Irfan Ud-Din" userId="ee04383a-3b49-4780-98b3-1937345d585e" providerId="ADAL" clId="{C67135C6-04FB-5671-8F8A-622C7FA6CF0A}" dt="2025-10-02T01:22:47.620" v="802"/>
           <ac:spMkLst>
             <pc:docMk/>
             <pc:sldMk cId="2122738901" sldId="294"/>
             <ac:spMk id="3" creationId="{00000000-0000-0000-0000-000000000000}"/>
           </ac:spMkLst>
         </pc:spChg>
+        <pc:spChg chg="add mod">
+          <ac:chgData name="Irfan Ud-Din" userId="ee04383a-3b49-4780-98b3-1937345d585e" providerId="ADAL" clId="{C67135C6-04FB-5671-8F8A-622C7FA6CF0A}" dt="2025-10-02T01:25:12.034" v="855" actId="404"/>
+          <ac:spMkLst>
+            <pc:docMk/>
+            <pc:sldMk cId="2122738901" sldId="294"/>
+            <ac:spMk id="4" creationId="{0BE20993-E294-F551-1FEB-B1082DB93FF3}"/>
+          </ac:spMkLst>
+        </pc:spChg>
       </pc:sldChg>
-      <pc:sldChg chg="modSp mod">
-        <pc:chgData name="Irfan Ud-Din" userId="ee04383a-3b49-4780-98b3-1937345d585e" providerId="ADAL" clId="{C67135C6-04FB-5671-8F8A-622C7FA6CF0A}" dt="2025-10-01T05:03:18.626" v="775" actId="20577"/>
+      <pc:sldChg chg="addSp modSp mod">
+        <pc:chgData name="Irfan Ud-Din" userId="ee04383a-3b49-4780-98b3-1937345d585e" providerId="ADAL" clId="{C67135C6-04FB-5671-8F8A-622C7FA6CF0A}" dt="2025-10-02T01:20:09.001" v="795" actId="20577"/>
         <pc:sldMkLst>
           <pc:docMk/>
           <pc:sldMk cId="726881496" sldId="295"/>
         </pc:sldMkLst>
         <pc:spChg chg="mod">
-          <ac:chgData name="Irfan Ud-Din" userId="ee04383a-3b49-4780-98b3-1937345d585e" providerId="ADAL" clId="{C67135C6-04FB-5671-8F8A-622C7FA6CF0A}" dt="2025-10-01T05:03:18.626" v="775" actId="20577"/>
+          <ac:chgData name="Irfan Ud-Din" userId="ee04383a-3b49-4780-98b3-1937345d585e" providerId="ADAL" clId="{C67135C6-04FB-5671-8F8A-622C7FA6CF0A}" dt="2025-10-02T01:20:09.001" v="795" actId="20577"/>
           <ac:spMkLst>
             <pc:docMk/>
             <pc:sldMk cId="726881496" sldId="295"/>
             <ac:spMk id="3" creationId="{00000000-0000-0000-0000-000000000000}"/>
           </ac:spMkLst>
         </pc:spChg>
+        <pc:spChg chg="add">
+          <ac:chgData name="Irfan Ud-Din" userId="ee04383a-3b49-4780-98b3-1937345d585e" providerId="ADAL" clId="{C67135C6-04FB-5671-8F8A-622C7FA6CF0A}" dt="2025-10-02T01:13:55.299" v="777"/>
+          <ac:spMkLst>
+            <pc:docMk/>
+            <pc:sldMk cId="726881496" sldId="295"/>
+            <ac:spMk id="4" creationId="{89E0839F-3454-29F8-0948-1909754D4DC5}"/>
+          </ac:spMkLst>
+        </pc:spChg>
+        <pc:spChg chg="add mod">
+          <ac:chgData name="Irfan Ud-Din" userId="ee04383a-3b49-4780-98b3-1937345d585e" providerId="ADAL" clId="{C67135C6-04FB-5671-8F8A-622C7FA6CF0A}" dt="2025-10-02T01:14:06.667" v="780" actId="1076"/>
+          <ac:spMkLst>
+            <pc:docMk/>
+            <pc:sldMk cId="726881496" sldId="295"/>
+            <ac:spMk id="5" creationId="{49E619BC-0610-B958-7402-EF0F677E6CFD}"/>
+          </ac:spMkLst>
+        </pc:spChg>
+        <pc:spChg chg="add">
+          <ac:chgData name="Irfan Ud-Din" userId="ee04383a-3b49-4780-98b3-1937345d585e" providerId="ADAL" clId="{C67135C6-04FB-5671-8F8A-622C7FA6CF0A}" dt="2025-10-02T01:14:11.392" v="782"/>
+          <ac:spMkLst>
+            <pc:docMk/>
+            <pc:sldMk cId="726881496" sldId="295"/>
+            <ac:spMk id="6" creationId="{D812FF31-A5F7-4EC5-CBFE-CEBE95CF032C}"/>
+          </ac:spMkLst>
+        </pc:spChg>
+        <pc:spChg chg="add">
+          <ac:chgData name="Irfan Ud-Din" userId="ee04383a-3b49-4780-98b3-1937345d585e" providerId="ADAL" clId="{C67135C6-04FB-5671-8F8A-622C7FA6CF0A}" dt="2025-10-02T01:14:23.670" v="783"/>
+          <ac:spMkLst>
+            <pc:docMk/>
+            <pc:sldMk cId="726881496" sldId="295"/>
+            <ac:spMk id="7" creationId="{079D2E7F-C00C-D9A5-8CE5-FA49258C38CA}"/>
+          </ac:spMkLst>
+        </pc:spChg>
+        <pc:spChg chg="add">
+          <ac:chgData name="Irfan Ud-Din" userId="ee04383a-3b49-4780-98b3-1937345d585e" providerId="ADAL" clId="{C67135C6-04FB-5671-8F8A-622C7FA6CF0A}" dt="2025-10-02T01:14:28.378" v="784"/>
+          <ac:spMkLst>
+            <pc:docMk/>
+            <pc:sldMk cId="726881496" sldId="295"/>
+            <ac:spMk id="8" creationId="{C75A0FBC-1B46-3ACF-9AFB-A38ACDA2F60B}"/>
+          </ac:spMkLst>
+        </pc:spChg>
+        <pc:spChg chg="add">
+          <ac:chgData name="Irfan Ud-Din" userId="ee04383a-3b49-4780-98b3-1937345d585e" providerId="ADAL" clId="{C67135C6-04FB-5671-8F8A-622C7FA6CF0A}" dt="2025-10-02T01:14:46.119" v="785"/>
+          <ac:spMkLst>
+            <pc:docMk/>
+            <pc:sldMk cId="726881496" sldId="295"/>
+            <ac:spMk id="9" creationId="{168BFF5C-637F-DD10-E0BF-20D87781A34C}"/>
+          </ac:spMkLst>
+        </pc:spChg>
+        <pc:spChg chg="add">
+          <ac:chgData name="Irfan Ud-Din" userId="ee04383a-3b49-4780-98b3-1937345d585e" providerId="ADAL" clId="{C67135C6-04FB-5671-8F8A-622C7FA6CF0A}" dt="2025-10-02T01:19:50.469" v="791"/>
+          <ac:spMkLst>
+            <pc:docMk/>
+            <pc:sldMk cId="726881496" sldId="295"/>
+            <ac:spMk id="10" creationId="{486FC45D-A24E-A187-EDD5-5C5D9DDB5D39}"/>
+          </ac:spMkLst>
+        </pc:spChg>
       </pc:sldChg>
       <pc:sldChg chg="modSp mod">
-        <pc:chgData name="Irfan Ud-Din" userId="ee04383a-3b49-4780-98b3-1937345d585e" providerId="ADAL" clId="{C67135C6-04FB-5671-8F8A-622C7FA6CF0A}" dt="2025-10-01T05:00:16.490" v="707" actId="20577"/>
+        <pc:chgData name="Irfan Ud-Din" userId="ee04383a-3b49-4780-98b3-1937345d585e" providerId="ADAL" clId="{C67135C6-04FB-5671-8F8A-622C7FA6CF0A}" dt="2025-10-02T01:26:05.137" v="857" actId="20577"/>
         <pc:sldMkLst>
           <pc:docMk/>
           <pc:sldMk cId="287716003" sldId="298"/>
         </pc:sldMkLst>
         <pc:spChg chg="mod">
-          <ac:chgData name="Irfan Ud-Din" userId="ee04383a-3b49-4780-98b3-1937345d585e" providerId="ADAL" clId="{C67135C6-04FB-5671-8F8A-622C7FA6CF0A}" dt="2025-10-01T05:00:16.490" v="707" actId="20577"/>
+          <ac:chgData name="Irfan Ud-Din" userId="ee04383a-3b49-4780-98b3-1937345d585e" providerId="ADAL" clId="{C67135C6-04FB-5671-8F8A-622C7FA6CF0A}" dt="2025-10-02T01:26:05.137" v="857" actId="20577"/>
           <ac:spMkLst>
             <pc:docMk/>
             <pc:sldMk cId="287716003" sldId="298"/>
@@ -302,8 +374,8 @@
           </ac:spMkLst>
         </pc:spChg>
       </pc:sldChg>
-      <pc:sldChg chg="modSp new mod">
-        <pc:chgData name="Irfan Ud-Din" userId="ee04383a-3b49-4780-98b3-1937345d585e" providerId="ADAL" clId="{C67135C6-04FB-5671-8F8A-622C7FA6CF0A}" dt="2025-10-01T05:00:20.755" v="708" actId="20577"/>
+      <pc:sldChg chg="addSp delSp modSp new mod">
+        <pc:chgData name="Irfan Ud-Din" userId="ee04383a-3b49-4780-98b3-1937345d585e" providerId="ADAL" clId="{C67135C6-04FB-5671-8F8A-622C7FA6CF0A}" dt="2025-10-02T01:20:58.281" v="801" actId="20577"/>
         <pc:sldMkLst>
           <pc:docMk/>
           <pc:sldMk cId="888786623" sldId="301"/>
@@ -316,12 +388,20 @@
             <ac:spMk id="2" creationId="{C344BF81-C02A-A49D-86B0-141A564863E3}"/>
           </ac:spMkLst>
         </pc:spChg>
-        <pc:spChg chg="mod">
-          <ac:chgData name="Irfan Ud-Din" userId="ee04383a-3b49-4780-98b3-1937345d585e" providerId="ADAL" clId="{C67135C6-04FB-5671-8F8A-622C7FA6CF0A}" dt="2025-10-01T05:00:20.755" v="708" actId="20577"/>
+        <pc:spChg chg="add del mod">
+          <ac:chgData name="Irfan Ud-Din" userId="ee04383a-3b49-4780-98b3-1937345d585e" providerId="ADAL" clId="{C67135C6-04FB-5671-8F8A-622C7FA6CF0A}" dt="2025-10-02T01:20:58.281" v="801" actId="20577"/>
           <ac:spMkLst>
             <pc:docMk/>
             <pc:sldMk cId="888786623" sldId="301"/>
             <ac:spMk id="3" creationId="{382ACDA0-80C9-C482-9855-F296C28D8A0E}"/>
+          </ac:spMkLst>
+        </pc:spChg>
+        <pc:spChg chg="add mod">
+          <ac:chgData name="Irfan Ud-Din" userId="ee04383a-3b49-4780-98b3-1937345d585e" providerId="ADAL" clId="{C67135C6-04FB-5671-8F8A-622C7FA6CF0A}" dt="2025-10-02T01:20:43.851" v="797"/>
+          <ac:spMkLst>
+            <pc:docMk/>
+            <pc:sldMk cId="888786623" sldId="301"/>
+            <ac:spMk id="4" creationId="{F57887B7-7FF3-1417-4FD4-3209876DF177}"/>
           </ac:spMkLst>
         </pc:spChg>
       </pc:sldChg>
@@ -428,7 +508,7 @@
           <a:p>
             <a:fld id="{43530C52-BC56-0E40-8D2F-09D5DDD25064}" type="datetimeFigureOut">
               <a:rPr lang="en-US" smtClean="0"/>
-              <a:t>10/1/25</a:t>
+              <a:t>10/2/25</a:t>
             </a:fld>
             <a:endParaRPr lang="en-US"/>
           </a:p>
@@ -1378,7 +1458,7 @@
           <a:p>
             <a:fld id="{975458CD-7539-874C-A4E9-E13A311AC38C}" type="datetimeFigureOut">
               <a:rPr lang="en-US" smtClean="0"/>
-              <a:t>10/1/25</a:t>
+              <a:t>10/2/25</a:t>
             </a:fld>
             <a:endParaRPr lang="en-US"/>
           </a:p>
@@ -1546,7 +1626,7 @@
           <a:p>
             <a:fld id="{975458CD-7539-874C-A4E9-E13A311AC38C}" type="datetimeFigureOut">
               <a:rPr lang="en-US" smtClean="0"/>
-              <a:t>10/1/25</a:t>
+              <a:t>10/2/25</a:t>
             </a:fld>
             <a:endParaRPr lang="en-US"/>
           </a:p>
@@ -1724,7 +1804,7 @@
           <a:p>
             <a:fld id="{975458CD-7539-874C-A4E9-E13A311AC38C}" type="datetimeFigureOut">
               <a:rPr lang="en-US" smtClean="0"/>
-              <a:t>10/1/25</a:t>
+              <a:t>10/2/25</a:t>
             </a:fld>
             <a:endParaRPr lang="en-US"/>
           </a:p>
@@ -1892,7 +1972,7 @@
           <a:p>
             <a:fld id="{975458CD-7539-874C-A4E9-E13A311AC38C}" type="datetimeFigureOut">
               <a:rPr lang="en-US" smtClean="0"/>
-              <a:t>10/1/25</a:t>
+              <a:t>10/2/25</a:t>
             </a:fld>
             <a:endParaRPr lang="en-US"/>
           </a:p>
@@ -2137,7 +2217,7 @@
           <a:p>
             <a:fld id="{975458CD-7539-874C-A4E9-E13A311AC38C}" type="datetimeFigureOut">
               <a:rPr lang="en-US" smtClean="0"/>
-              <a:t>10/1/25</a:t>
+              <a:t>10/2/25</a:t>
             </a:fld>
             <a:endParaRPr lang="en-US"/>
           </a:p>
@@ -2422,7 +2502,7 @@
           <a:p>
             <a:fld id="{975458CD-7539-874C-A4E9-E13A311AC38C}" type="datetimeFigureOut">
               <a:rPr lang="en-US" smtClean="0"/>
-              <a:t>10/1/25</a:t>
+              <a:t>10/2/25</a:t>
             </a:fld>
             <a:endParaRPr lang="en-US"/>
           </a:p>
@@ -2841,7 +2921,7 @@
           <a:p>
             <a:fld id="{975458CD-7539-874C-A4E9-E13A311AC38C}" type="datetimeFigureOut">
               <a:rPr lang="en-US" smtClean="0"/>
-              <a:t>10/1/25</a:t>
+              <a:t>10/2/25</a:t>
             </a:fld>
             <a:endParaRPr lang="en-US"/>
           </a:p>
@@ -2958,7 +3038,7 @@
           <a:p>
             <a:fld id="{975458CD-7539-874C-A4E9-E13A311AC38C}" type="datetimeFigureOut">
               <a:rPr lang="en-US" smtClean="0"/>
-              <a:t>10/1/25</a:t>
+              <a:t>10/2/25</a:t>
             </a:fld>
             <a:endParaRPr lang="en-US"/>
           </a:p>
@@ -3053,7 +3133,7 @@
           <a:p>
             <a:fld id="{975458CD-7539-874C-A4E9-E13A311AC38C}" type="datetimeFigureOut">
               <a:rPr lang="en-US" smtClean="0"/>
-              <a:t>10/1/25</a:t>
+              <a:t>10/2/25</a:t>
             </a:fld>
             <a:endParaRPr lang="en-US"/>
           </a:p>
@@ -3328,7 +3408,7 @@
           <a:p>
             <a:fld id="{975458CD-7539-874C-A4E9-E13A311AC38C}" type="datetimeFigureOut">
               <a:rPr lang="en-US" smtClean="0"/>
-              <a:t>10/1/25</a:t>
+              <a:t>10/2/25</a:t>
             </a:fld>
             <a:endParaRPr lang="en-US"/>
           </a:p>
@@ -3580,7 +3660,7 @@
           <a:p>
             <a:fld id="{975458CD-7539-874C-A4E9-E13A311AC38C}" type="datetimeFigureOut">
               <a:rPr lang="en-US" smtClean="0"/>
-              <a:t>10/1/25</a:t>
+              <a:t>10/2/25</a:t>
             </a:fld>
             <a:endParaRPr lang="en-US"/>
           </a:p>
@@ -3791,7 +3871,7 @@
           <a:p>
             <a:fld id="{975458CD-7539-874C-A4E9-E13A311AC38C}" type="datetimeFigureOut">
               <a:rPr lang="en-US" smtClean="0"/>
-              <a:t>10/1/25</a:t>
+              <a:t>10/2/25</a:t>
             </a:fld>
             <a:endParaRPr lang="en-US"/>
           </a:p>
@@ -5870,22 +5950,530 @@
       </p:sp>
       <p:sp>
         <p:nvSpPr>
-          <p:cNvPr id="3" name="Content Placeholder 2"/>
-          <p:cNvSpPr>
-            <a:spLocks noGrp="1"/>
+          <p:cNvPr id="4" name="Rectangle 1">
+            <a:extLst>
+              <a:ext uri="{FF2B5EF4-FFF2-40B4-BE49-F238E27FC236}">
+                <a16:creationId xmlns:a16="http://schemas.microsoft.com/office/drawing/2014/main" id="{0BE20993-E294-F551-1FEB-B1082DB93FF3}"/>
+              </a:ext>
+            </a:extLst>
+          </p:cNvPr>
+          <p:cNvSpPr>
+            <a:spLocks noGrp="1" noChangeArrowheads="1"/>
           </p:cNvSpPr>
           <p:nvPr>
             <p:ph idx="1"/>
           </p:nvPr>
         </p:nvSpPr>
-        <p:spPr/>
-        <p:txBody>
-          <a:bodyPr>
-            <a:normAutofit/>
+        <p:spPr bwMode="auto">
+          <a:xfrm>
+            <a:off x="457200" y="1585646"/>
+            <a:ext cx="8229600" cy="4555093"/>
+          </a:xfrm>
+          <a:prstGeom prst="rect">
+            <a:avLst/>
+          </a:prstGeom>
+          <a:noFill/>
+          <a:ln>
+            <a:noFill/>
+          </a:ln>
+          <a:effectLst/>
+          <a:extLst>
+            <a:ext uri="{909E8E84-426E-40DD-AFC4-6F175D3DCCD1}">
+              <a14:hiddenFill xmlns:a14="http://schemas.microsoft.com/office/drawing/2010/main">
+                <a:solidFill>
+                  <a:schemeClr val="accent1"/>
+                </a:solidFill>
+              </a14:hiddenFill>
+            </a:ext>
+            <a:ext uri="{91240B29-F687-4F45-9708-019B960494DF}">
+              <a14:hiddenLine xmlns:a14="http://schemas.microsoft.com/office/drawing/2010/main" w="9525">
+                <a:solidFill>
+                  <a:schemeClr val="tx1"/>
+                </a:solidFill>
+                <a:miter lim="800000"/>
+                <a:headEnd/>
+                <a:tailEnd/>
+              </a14:hiddenLine>
+            </a:ext>
+            <a:ext uri="{AF507438-7753-43E0-B8FC-AC1667EBCBE1}">
+              <a14:hiddenEffects xmlns:a14="http://schemas.microsoft.com/office/drawing/2010/main">
+                <a:effectLst>
+                  <a:outerShdw dist="35921" dir="2700000" algn="ctr" rotWithShape="0">
+                    <a:schemeClr val="bg2"/>
+                  </a:outerShdw>
+                </a:effectLst>
+              </a14:hiddenEffects>
+            </a:ext>
+          </a:extLst>
+        </p:spPr>
+        <p:txBody>
+          <a:bodyPr vert="horz" wrap="square" lIns="91440" tIns="0" rIns="91440" bIns="0" numCol="1" anchor="ctr" anchorCtr="0" compatLnSpc="1">
+            <a:prstTxWarp prst="textNoShape">
+              <a:avLst/>
+            </a:prstTxWarp>
+            <a:spAutoFit/>
           </a:bodyPr>
           <a:lstStyle/>
           <a:p>
-            <a:endParaRPr lang="en-US" dirty="0"/>
+            <a:pPr defTabSz="914400" eaLnBrk="0" fontAlgn="base" hangingPunct="0">
+              <a:spcBef>
+                <a:spcPct val="0"/>
+              </a:spcBef>
+              <a:spcAft>
+                <a:spcPct val="0"/>
+              </a:spcAft>
+            </a:pPr>
+            <a:r>
+              <a:rPr kumimoji="0" lang="en-US" altLang="en-US" sz="2000" b="0" i="0" u="none" strike="noStrike" cap="none" normalizeH="0" baseline="0" dirty="0">
+                <a:ln>
+                  <a:noFill/>
+                </a:ln>
+                <a:solidFill>
+                  <a:srgbClr val="000000"/>
+                </a:solidFill>
+                <a:effectLst/>
+                <a:latin typeface="Times New Roman" panose="02020603050405020304" pitchFamily="18" charset="0"/>
+              </a:rPr>
+              <a:t>Motivation and overview of computer security</a:t>
+            </a:r>
+            <a:endParaRPr kumimoji="0" lang="en-US" altLang="en-US" sz="1050" b="0" i="0" u="none" strike="noStrike" cap="none" normalizeH="0" baseline="0" dirty="0">
+              <a:ln>
+                <a:noFill/>
+              </a:ln>
+              <a:solidFill>
+                <a:srgbClr val="000000"/>
+              </a:solidFill>
+              <a:effectLst/>
+              <a:latin typeface="-webkit-standard"/>
+            </a:endParaRPr>
+          </a:p>
+          <a:p>
+            <a:pPr lvl="1" defTabSz="914400" eaLnBrk="0" fontAlgn="base" hangingPunct="0">
+              <a:spcBef>
+                <a:spcPct val="0"/>
+              </a:spcBef>
+              <a:spcAft>
+                <a:spcPct val="0"/>
+              </a:spcAft>
+            </a:pPr>
+            <a:r>
+              <a:rPr kumimoji="0" lang="en-US" altLang="en-US" sz="2000" b="0" i="0" u="none" strike="noStrike" cap="none" normalizeH="0" baseline="0" dirty="0">
+                <a:ln>
+                  <a:noFill/>
+                </a:ln>
+                <a:solidFill>
+                  <a:srgbClr val="000000"/>
+                </a:solidFill>
+                <a:effectLst/>
+                <a:latin typeface="Times New Roman" panose="02020603050405020304" pitchFamily="18" charset="0"/>
+              </a:rPr>
+              <a:t>Security definition, policy, mechanisms, services and models</a:t>
+            </a:r>
+            <a:endParaRPr kumimoji="0" lang="en-US" altLang="en-US" sz="1050" b="0" i="0" u="none" strike="noStrike" cap="none" normalizeH="0" baseline="0" dirty="0">
+              <a:ln>
+                <a:noFill/>
+              </a:ln>
+              <a:solidFill>
+                <a:srgbClr val="000000"/>
+              </a:solidFill>
+              <a:effectLst/>
+              <a:latin typeface="-webkit-standard"/>
+            </a:endParaRPr>
+          </a:p>
+          <a:p>
+            <a:pPr defTabSz="914400" eaLnBrk="0" fontAlgn="base" hangingPunct="0">
+              <a:spcBef>
+                <a:spcPct val="0"/>
+              </a:spcBef>
+              <a:spcAft>
+                <a:spcPct val="0"/>
+              </a:spcAft>
+            </a:pPr>
+            <a:r>
+              <a:rPr kumimoji="0" lang="en-US" altLang="en-US" sz="2000" b="0" i="0" u="none" strike="noStrike" cap="none" normalizeH="0" baseline="0" dirty="0">
+                <a:ln>
+                  <a:noFill/>
+                </a:ln>
+                <a:solidFill>
+                  <a:srgbClr val="000000"/>
+                </a:solidFill>
+                <a:effectLst/>
+                <a:latin typeface="Times New Roman" panose="02020603050405020304" pitchFamily="18" charset="0"/>
+              </a:rPr>
+              <a:t>Introduction to cryptography, symmetric/asymmetric encryption</a:t>
+            </a:r>
+            <a:endParaRPr kumimoji="0" lang="en-US" altLang="en-US" sz="1050" b="0" i="0" u="none" strike="noStrike" cap="none" normalizeH="0" baseline="0" dirty="0">
+              <a:ln>
+                <a:noFill/>
+              </a:ln>
+              <a:solidFill>
+                <a:srgbClr val="000000"/>
+              </a:solidFill>
+              <a:effectLst/>
+              <a:latin typeface="-webkit-standard"/>
+            </a:endParaRPr>
+          </a:p>
+          <a:p>
+            <a:pPr lvl="1" defTabSz="914400" eaLnBrk="0" fontAlgn="base" hangingPunct="0">
+              <a:spcBef>
+                <a:spcPct val="0"/>
+              </a:spcBef>
+              <a:spcAft>
+                <a:spcPct val="0"/>
+              </a:spcAft>
+            </a:pPr>
+            <a:r>
+              <a:rPr kumimoji="0" lang="en-US" altLang="en-US" sz="2000" b="0" i="0" u="none" strike="noStrike" cap="none" normalizeH="0" baseline="0" dirty="0">
+                <a:ln>
+                  <a:noFill/>
+                </a:ln>
+                <a:solidFill>
+                  <a:srgbClr val="000000"/>
+                </a:solidFill>
+                <a:effectLst/>
+                <a:latin typeface="Times New Roman" panose="02020603050405020304" pitchFamily="18" charset="0"/>
+              </a:rPr>
+              <a:t>DES/AES, RSA, MD5, SHA2</a:t>
+            </a:r>
+            <a:endParaRPr kumimoji="0" lang="en-US" altLang="en-US" sz="1050" b="0" i="0" u="none" strike="noStrike" cap="none" normalizeH="0" baseline="0" dirty="0">
+              <a:ln>
+                <a:noFill/>
+              </a:ln>
+              <a:solidFill>
+                <a:srgbClr val="000000"/>
+              </a:solidFill>
+              <a:effectLst/>
+              <a:latin typeface="-webkit-standard"/>
+            </a:endParaRPr>
+          </a:p>
+          <a:p>
+            <a:pPr defTabSz="914400" eaLnBrk="0" fontAlgn="base" hangingPunct="0">
+              <a:spcBef>
+                <a:spcPct val="0"/>
+              </a:spcBef>
+              <a:spcAft>
+                <a:spcPct val="0"/>
+              </a:spcAft>
+            </a:pPr>
+            <a:r>
+              <a:rPr kumimoji="0" lang="en-US" altLang="en-US" sz="2000" b="0" i="0" u="none" strike="noStrike" cap="none" normalizeH="0" baseline="0" dirty="0">
+                <a:ln>
+                  <a:noFill/>
+                </a:ln>
+                <a:solidFill>
+                  <a:srgbClr val="000000"/>
+                </a:solidFill>
+                <a:effectLst/>
+                <a:latin typeface="Times New Roman" panose="02020603050405020304" pitchFamily="18" charset="0"/>
+              </a:rPr>
+              <a:t>Software security</a:t>
+            </a:r>
+            <a:endParaRPr kumimoji="0" lang="en-US" altLang="en-US" sz="1050" b="0" i="0" u="none" strike="noStrike" cap="none" normalizeH="0" baseline="0" dirty="0">
+              <a:ln>
+                <a:noFill/>
+              </a:ln>
+              <a:solidFill>
+                <a:srgbClr val="000000"/>
+              </a:solidFill>
+              <a:effectLst/>
+              <a:latin typeface="-webkit-standard"/>
+            </a:endParaRPr>
+          </a:p>
+          <a:p>
+            <a:pPr lvl="1" defTabSz="914400" eaLnBrk="0" fontAlgn="base" hangingPunct="0">
+              <a:spcBef>
+                <a:spcPct val="0"/>
+              </a:spcBef>
+              <a:spcAft>
+                <a:spcPct val="0"/>
+              </a:spcAft>
+            </a:pPr>
+            <a:r>
+              <a:rPr kumimoji="0" lang="en-US" altLang="en-US" sz="2000" b="0" i="0" u="none" strike="noStrike" cap="none" normalizeH="0" baseline="0" dirty="0">
+                <a:ln>
+                  <a:noFill/>
+                </a:ln>
+                <a:solidFill>
+                  <a:srgbClr val="000000"/>
+                </a:solidFill>
+                <a:effectLst/>
+                <a:latin typeface="Times New Roman" panose="02020603050405020304" pitchFamily="18" charset="0"/>
+              </a:rPr>
+              <a:t>Buffer overflow, heap overflow and string format bugs </a:t>
+            </a:r>
+          </a:p>
+          <a:p>
+            <a:pPr defTabSz="914400" eaLnBrk="0" fontAlgn="base" hangingPunct="0">
+              <a:spcBef>
+                <a:spcPct val="0"/>
+              </a:spcBef>
+              <a:spcAft>
+                <a:spcPct val="0"/>
+              </a:spcAft>
+            </a:pPr>
+            <a:r>
+              <a:rPr kumimoji="0" lang="en-US" altLang="en-US" sz="2000" b="0" i="0" u="none" strike="noStrike" cap="none" normalizeH="0" baseline="0" dirty="0">
+                <a:ln>
+                  <a:noFill/>
+                </a:ln>
+                <a:solidFill>
+                  <a:srgbClr val="000000"/>
+                </a:solidFill>
+                <a:effectLst/>
+                <a:latin typeface="Times New Roman" panose="02020603050405020304" pitchFamily="18" charset="0"/>
+              </a:rPr>
+              <a:t>Operating system security techniques</a:t>
+            </a:r>
+            <a:endParaRPr kumimoji="0" lang="en-US" altLang="en-US" sz="1050" b="0" i="0" u="none" strike="noStrike" cap="none" normalizeH="0" baseline="0" dirty="0">
+              <a:ln>
+                <a:noFill/>
+              </a:ln>
+              <a:solidFill>
+                <a:srgbClr val="000000"/>
+              </a:solidFill>
+              <a:effectLst/>
+              <a:latin typeface="-webkit-standard"/>
+            </a:endParaRPr>
+          </a:p>
+          <a:p>
+            <a:pPr lvl="1" defTabSz="914400" eaLnBrk="0" fontAlgn="base" hangingPunct="0">
+              <a:spcBef>
+                <a:spcPct val="0"/>
+              </a:spcBef>
+              <a:spcAft>
+                <a:spcPct val="0"/>
+              </a:spcAft>
+            </a:pPr>
+            <a:r>
+              <a:rPr kumimoji="0" lang="en-US" altLang="en-US" sz="2000" b="0" i="0" u="none" strike="noStrike" cap="none" normalizeH="0" baseline="0" dirty="0">
+                <a:ln>
+                  <a:noFill/>
+                </a:ln>
+                <a:solidFill>
+                  <a:srgbClr val="000000"/>
+                </a:solidFill>
+                <a:effectLst/>
+                <a:latin typeface="Times New Roman" panose="02020603050405020304" pitchFamily="18" charset="0"/>
+              </a:rPr>
+              <a:t>Dealing with bad (legacy) codes: sandboxing</a:t>
+            </a:r>
+          </a:p>
+          <a:p>
+            <a:pPr lvl="1" defTabSz="914400" eaLnBrk="0" fontAlgn="base" hangingPunct="0">
+              <a:spcBef>
+                <a:spcPct val="0"/>
+              </a:spcBef>
+              <a:spcAft>
+                <a:spcPct val="0"/>
+              </a:spcAft>
+            </a:pPr>
+            <a:r>
+              <a:rPr kumimoji="0" lang="en-US" altLang="en-US" sz="2000" b="0" i="0" u="none" strike="noStrike" cap="none" normalizeH="0" baseline="0" dirty="0">
+                <a:ln>
+                  <a:noFill/>
+                </a:ln>
+                <a:solidFill>
+                  <a:srgbClr val="000000"/>
+                </a:solidFill>
+                <a:effectLst/>
+                <a:latin typeface="Times New Roman" panose="02020603050405020304" pitchFamily="18" charset="0"/>
+              </a:rPr>
+              <a:t>Multi-level security, file system security</a:t>
+            </a:r>
+            <a:endParaRPr kumimoji="0" lang="en-US" altLang="en-US" sz="1050" b="0" i="0" u="none" strike="noStrike" cap="none" normalizeH="0" baseline="0" dirty="0">
+              <a:ln>
+                <a:noFill/>
+              </a:ln>
+              <a:solidFill>
+                <a:srgbClr val="000000"/>
+              </a:solidFill>
+              <a:effectLst/>
+              <a:latin typeface="-webkit-standard"/>
+            </a:endParaRPr>
+          </a:p>
+          <a:p>
+            <a:pPr defTabSz="914400" eaLnBrk="0" fontAlgn="base" hangingPunct="0">
+              <a:spcBef>
+                <a:spcPct val="0"/>
+              </a:spcBef>
+              <a:spcAft>
+                <a:spcPct val="0"/>
+              </a:spcAft>
+            </a:pPr>
+            <a:r>
+              <a:rPr kumimoji="0" lang="en-US" altLang="en-US" sz="2000" b="0" i="0" u="none" strike="noStrike" cap="none" normalizeH="0" baseline="0" dirty="0">
+                <a:ln>
+                  <a:noFill/>
+                </a:ln>
+                <a:solidFill>
+                  <a:srgbClr val="000000"/>
+                </a:solidFill>
+                <a:effectLst/>
+                <a:latin typeface="Times New Roman" panose="02020603050405020304" pitchFamily="18" charset="0"/>
+              </a:rPr>
+              <a:t>Internet vulnerability </a:t>
+            </a:r>
+            <a:endParaRPr kumimoji="0" lang="en-US" altLang="en-US" sz="1050" b="0" i="0" u="none" strike="noStrike" cap="none" normalizeH="0" baseline="0" dirty="0">
+              <a:ln>
+                <a:noFill/>
+              </a:ln>
+              <a:solidFill>
+                <a:srgbClr val="000000"/>
+              </a:solidFill>
+              <a:effectLst/>
+              <a:latin typeface="-webkit-standard"/>
+            </a:endParaRPr>
+          </a:p>
+          <a:p>
+            <a:pPr lvl="1" defTabSz="914400" eaLnBrk="0" fontAlgn="base" hangingPunct="0">
+              <a:spcBef>
+                <a:spcPct val="0"/>
+              </a:spcBef>
+              <a:spcAft>
+                <a:spcPct val="0"/>
+              </a:spcAft>
+            </a:pPr>
+            <a:r>
+              <a:rPr kumimoji="0" lang="en-US" altLang="en-US" sz="2000" b="0" i="0" u="none" strike="noStrike" cap="none" normalizeH="0" baseline="0" dirty="0">
+                <a:ln>
+                  <a:noFill/>
+                </a:ln>
+                <a:solidFill>
+                  <a:srgbClr val="000000"/>
+                </a:solidFill>
+                <a:effectLst/>
+                <a:latin typeface="Times New Roman" panose="02020603050405020304" pitchFamily="18" charset="0"/>
+              </a:rPr>
+              <a:t>Denial-of-service attacks, viruses, worms, Trojan horses</a:t>
+            </a:r>
+            <a:endParaRPr kumimoji="0" lang="en-US" altLang="en-US" sz="1050" b="0" i="0" u="none" strike="noStrike" cap="none" normalizeH="0" baseline="0" dirty="0">
+              <a:ln>
+                <a:noFill/>
+              </a:ln>
+              <a:solidFill>
+                <a:srgbClr val="000000"/>
+              </a:solidFill>
+              <a:effectLst/>
+              <a:latin typeface="-webkit-standard"/>
+            </a:endParaRPr>
+          </a:p>
+          <a:p>
+            <a:pPr defTabSz="914400" eaLnBrk="0" fontAlgn="base" hangingPunct="0">
+              <a:spcBef>
+                <a:spcPct val="0"/>
+              </a:spcBef>
+              <a:spcAft>
+                <a:spcPct val="0"/>
+              </a:spcAft>
+            </a:pPr>
+            <a:r>
+              <a:rPr kumimoji="0" lang="en-US" altLang="en-US" sz="2000" b="0" i="0" u="none" strike="noStrike" cap="none" normalizeH="0" baseline="0" dirty="0">
+                <a:ln>
+                  <a:noFill/>
+                </a:ln>
+                <a:solidFill>
+                  <a:srgbClr val="000000"/>
+                </a:solidFill>
+                <a:effectLst/>
+                <a:latin typeface="Times New Roman" panose="02020603050405020304" pitchFamily="18" charset="0"/>
+              </a:rPr>
+              <a:t>Securing the Internet</a:t>
+            </a:r>
+            <a:r>
+              <a:rPr kumimoji="0" lang="en-US" altLang="en-US" sz="1050" b="0" i="0" u="none" strike="noStrike" cap="none" normalizeH="0" baseline="0" dirty="0">
+                <a:ln>
+                  <a:noFill/>
+                </a:ln>
+                <a:solidFill>
+                  <a:srgbClr val="000000"/>
+                </a:solidFill>
+                <a:effectLst/>
+                <a:latin typeface="-webkit-standard"/>
+              </a:rPr>
+              <a:t> -</a:t>
+            </a:r>
+            <a:r>
+              <a:rPr lang="en-US" altLang="en-US" sz="1050" dirty="0">
+                <a:solidFill>
+                  <a:srgbClr val="000000"/>
+                </a:solidFill>
+                <a:latin typeface="-webkit-standard"/>
+              </a:rPr>
+              <a:t> </a:t>
+            </a:r>
+            <a:r>
+              <a:rPr kumimoji="0" lang="en-US" altLang="en-US" sz="2000" b="0" i="0" u="none" strike="noStrike" cap="none" normalizeH="0" baseline="0" dirty="0">
+                <a:ln>
+                  <a:noFill/>
+                </a:ln>
+                <a:solidFill>
+                  <a:srgbClr val="000000"/>
+                </a:solidFill>
+                <a:effectLst/>
+                <a:latin typeface="Times New Roman" panose="02020603050405020304" pitchFamily="18" charset="0"/>
+              </a:rPr>
+              <a:t>Intrusion detection systems (IDSs): host- vs</a:t>
+            </a:r>
+            <a:r>
+              <a:rPr lang="en-US" altLang="en-US" sz="2000" dirty="0">
+                <a:solidFill>
+                  <a:srgbClr val="000000"/>
+                </a:solidFill>
+                <a:latin typeface="Times New Roman" panose="02020603050405020304" pitchFamily="18" charset="0"/>
+              </a:rPr>
+              <a:t>. network-based, </a:t>
+            </a:r>
+            <a:r>
+              <a:rPr kumimoji="0" lang="en-US" altLang="en-US" sz="2000" b="0" i="0" u="none" strike="noStrike" cap="none" normalizeH="0" baseline="0" dirty="0">
+                <a:ln>
+                  <a:noFill/>
+                </a:ln>
+                <a:solidFill>
+                  <a:srgbClr val="000000"/>
+                </a:solidFill>
+                <a:effectLst/>
+                <a:latin typeface="Times New Roman" panose="02020603050405020304" pitchFamily="18" charset="0"/>
+              </a:rPr>
+              <a:t>signature vs. statistical detection, Firewalls, VPN and IPsec</a:t>
+            </a:r>
+            <a:endParaRPr kumimoji="0" lang="en-US" altLang="en-US" sz="1050" b="0" i="0" u="none" strike="noStrike" cap="none" normalizeH="0" baseline="0" dirty="0">
+              <a:ln>
+                <a:noFill/>
+              </a:ln>
+              <a:solidFill>
+                <a:srgbClr val="000000"/>
+              </a:solidFill>
+              <a:effectLst/>
+              <a:latin typeface="-webkit-standard"/>
+            </a:endParaRPr>
+          </a:p>
+          <a:p>
+            <a:pPr marL="0" marR="0" lvl="0" indent="0" algn="l" defTabSz="914400" rtl="0" eaLnBrk="0" fontAlgn="base" latinLnBrk="0" hangingPunct="0">
+              <a:lnSpc>
+                <a:spcPct val="100000"/>
+              </a:lnSpc>
+              <a:spcBef>
+                <a:spcPct val="0"/>
+              </a:spcBef>
+              <a:spcAft>
+                <a:spcPct val="0"/>
+              </a:spcAft>
+              <a:buClrTx/>
+              <a:buSzTx/>
+              <a:buFontTx/>
+              <a:buNone/>
+              <a:tabLst/>
+            </a:pPr>
+            <a:endParaRPr kumimoji="0" lang="en-US" altLang="en-US" b="0" i="0" u="none" strike="noStrike" cap="none" normalizeH="0" baseline="0" dirty="0">
+              <a:ln>
+                <a:noFill/>
+              </a:ln>
+              <a:solidFill>
+                <a:schemeClr val="tx1"/>
+              </a:solidFill>
+              <a:effectLst/>
+              <a:latin typeface="Arial" panose="020B0604020202020204" pitchFamily="34" charset="0"/>
+            </a:endParaRPr>
           </a:p>
         </p:txBody>
       </p:sp>
@@ -5959,8 +6547,45 @@
           <a:lstStyle/>
           <a:p>
             <a:r>
-              <a:rPr lang="en-US" sz="2800" dirty="0"/>
-              <a:t>Cryptography and Network Security – By Wiliam Stallings</a:t>
+              <a:rPr lang="en-US" dirty="0"/>
+              <a:t>Kaufman, C., Perlman, R., &amp; </a:t>
+            </a:r>
+            <a:r>
+              <a:rPr lang="en-US" dirty="0" err="1"/>
+              <a:t>Speciner</a:t>
+            </a:r>
+            <a:r>
+              <a:rPr lang="en-US" dirty="0"/>
+              <a:t>, M. (2022). </a:t>
+            </a:r>
+            <a:r>
+              <a:rPr lang="en-US" i="1" dirty="0"/>
+              <a:t>Network security: Private communication in a public world</a:t>
+            </a:r>
+            <a:r>
+              <a:rPr lang="en-US" dirty="0"/>
+              <a:t> (3rd ed.). Addison-Wesley Professional. </a:t>
+            </a:r>
+            <a:r>
+              <a:rPr lang="en-US" dirty="0">
+                <a:hlinkClick r:id="rId3"/>
+              </a:rPr>
+              <a:t>https://doi.org/10.5555/3152382</a:t>
+            </a:r>
+            <a:endParaRPr lang="en-US" dirty="0"/>
+          </a:p>
+          <a:p>
+            <a:r>
+              <a:rPr lang="en-US" dirty="0"/>
+              <a:t>Stallings, W. (2017). </a:t>
+            </a:r>
+            <a:r>
+              <a:rPr lang="en-US" i="1" dirty="0"/>
+              <a:t>Cryptography and network security: Principles and practice</a:t>
+            </a:r>
+            <a:r>
+              <a:rPr lang="en-US" dirty="0"/>
+              <a:t> (7th ed.). Pearson Education. ISBN 9781292158587 </a:t>
             </a:r>
           </a:p>
         </p:txBody>
@@ -6041,10 +6666,83 @@
         </p:nvSpPr>
         <p:spPr/>
         <p:txBody>
-          <a:bodyPr/>
-          <a:lstStyle/>
-          <a:p>
-            <a:endParaRPr lang="en-US" dirty="0"/>
+          <a:bodyPr>
+            <a:normAutofit lnSpcReduction="10000"/>
+          </a:bodyPr>
+          <a:lstStyle/>
+          <a:p>
+            <a:r>
+              <a:rPr lang="en-US" u="sng" dirty="0">
+                <a:hlinkClick r:id="rId2"/>
+              </a:rPr>
+              <a:t>Writing Secure Code</a:t>
+            </a:r>
+            <a:r>
+              <a:rPr lang="en-US" dirty="0"/>
+              <a:t>, Michael Howard and David LeBlanc, Microsoft Press, 2002.</a:t>
+            </a:r>
+          </a:p>
+          <a:p>
+            <a:r>
+              <a:rPr lang="en-US" u="sng" dirty="0">
+                <a:hlinkClick r:id="rId3"/>
+              </a:rPr>
+              <a:t>Security in Computing</a:t>
+            </a:r>
+            <a:r>
+              <a:rPr lang="en-US" dirty="0"/>
+              <a:t>, Charles Pfleeger, Shari Lawrence Pfleeger, 3rd Edition, Prentice Hall, 2002.</a:t>
+            </a:r>
+          </a:p>
+          <a:p>
+            <a:r>
+              <a:rPr lang="en-US" u="sng" dirty="0">
+                <a:hlinkClick r:id="rId4"/>
+              </a:rPr>
+              <a:t>Firewalls and Internet Security: Repelling the Wily Hacker</a:t>
+            </a:r>
+            <a:r>
+              <a:rPr lang="en-US" dirty="0"/>
+              <a:t>, 2</a:t>
+            </a:r>
+            <a:r>
+              <a:rPr lang="en-US" baseline="30000" dirty="0"/>
+              <a:t>nd</a:t>
+            </a:r>
+            <a:r>
+              <a:rPr lang="en-US" dirty="0"/>
+              <a:t> edition, by </a:t>
+            </a:r>
+            <a:r>
+              <a:rPr lang="en-US" u="sng" dirty="0">
+                <a:hlinkClick r:id="rId5"/>
+              </a:rPr>
+              <a:t>William R. Cheswick</a:t>
+            </a:r>
+            <a:r>
+              <a:rPr lang="en-US" dirty="0"/>
+              <a:t>, </a:t>
+            </a:r>
+            <a:r>
+              <a:rPr lang="en-US" u="sng" dirty="0">
+                <a:hlinkClick r:id="rId6"/>
+              </a:rPr>
+              <a:t>Steven M. Bellovin</a:t>
+            </a:r>
+            <a:r>
+              <a:rPr lang="en-US" dirty="0"/>
+              <a:t>, and </a:t>
+            </a:r>
+            <a:r>
+              <a:rPr lang="en-US" u="sng" dirty="0">
+                <a:hlinkClick r:id="rId7"/>
+              </a:rPr>
+              <a:t>Aviel D. Rubin</a:t>
+            </a:r>
+            <a:r>
+              <a:rPr lang="en-US" dirty="0"/>
+              <a:t>, Addison Wesley, 2003</a:t>
+            </a:r>
           </a:p>
         </p:txBody>
       </p:sp>
@@ -6132,6 +6830,12 @@
             <a:r>
               <a:rPr lang="en-GB" dirty="0"/>
               <a:t>Slides prepared from materials at:</a:t>
+            </a:r>
+          </a:p>
+          <a:p>
+            <a:r>
+              <a:rPr lang="en-US" b="1" dirty="0"/>
+              <a:t>EECS 350 Introduction to Computer Security</a:t>
             </a:r>
           </a:p>
           <a:p>
